--- a/Projet_Presentation.pptx
+++ b/Projet_Presentation.pptx
@@ -12,9 +12,11 @@
     <p:sldId id="259" r:id="rId7"/>
     <p:sldId id="260" r:id="rId8"/>
     <p:sldId id="261" r:id="rId9"/>
+    <p:sldId id="262" r:id="rId10"/>
+    <p:sldId id="263" r:id="rId11"/>
   </p:sldIdLst>
   <p:sldSz cx="12192000" cy="6858000"/>
-  <p:notesSz cx="7772400" cy="10058400"/>
+  <p:notesSz cx="7559675" cy="10691812"/>
 </p:presentation>
 </file>
 
@@ -2766,8 +2768,8 @@
         </p:nvSpPr>
         <p:spPr>
           <a:xfrm>
-            <a:off x="838080" y="365040"/>
-            <a:ext cx="10514880" cy="1324800"/>
+            <a:off x="609480" y="273600"/>
+            <a:ext cx="10972080" cy="1144440"/>
           </a:xfrm>
           <a:prstGeom prst="rect">
             <a:avLst/>
@@ -2803,7 +2805,7 @@
         <p:spPr>
           <a:xfrm>
             <a:off x="609480" y="1604520"/>
-            <a:ext cx="10972440" cy="3977280"/>
+            <a:ext cx="10972080" cy="3976920"/>
           </a:xfrm>
           <a:prstGeom prst="rect">
             <a:avLst/>
@@ -2826,12 +2828,12 @@
               <a:buChar char=""/>
             </a:pPr>
             <a:r>
-              <a:rPr b="0" lang="en-US" sz="3200" spc="-1" strike="noStrike">
+              <a:rPr b="0" lang="en-US" sz="1800" spc="-1" strike="noStrike">
                 <a:latin typeface="Arial"/>
               </a:rPr>
               <a:t>Click to edit the outline text format</a:t>
             </a:r>
-            <a:endParaRPr b="0" lang="en-US" sz="3200" spc="-1" strike="noStrike">
+            <a:endParaRPr b="0" lang="en-US" sz="1800" spc="-1" strike="noStrike">
               <a:latin typeface="Arial"/>
             </a:endParaRPr>
           </a:p>
@@ -2848,12 +2850,12 @@
               <a:buChar char=""/>
             </a:pPr>
             <a:r>
-              <a:rPr b="0" lang="en-US" sz="2800" spc="-1" strike="noStrike">
+              <a:rPr b="0" lang="en-US" sz="1800" spc="-1" strike="noStrike">
                 <a:latin typeface="Arial"/>
               </a:rPr>
               <a:t>Second Outline Level</a:t>
             </a:r>
-            <a:endParaRPr b="0" lang="en-US" sz="2800" spc="-1" strike="noStrike">
+            <a:endParaRPr b="0" lang="en-US" sz="1800" spc="-1" strike="noStrike">
               <a:latin typeface="Arial"/>
             </a:endParaRPr>
           </a:p>
@@ -2870,12 +2872,12 @@
               <a:buChar char=""/>
             </a:pPr>
             <a:r>
-              <a:rPr b="0" lang="en-US" sz="2400" spc="-1" strike="noStrike">
+              <a:rPr b="0" lang="en-US" sz="1800" spc="-1" strike="noStrike">
                 <a:latin typeface="Arial"/>
               </a:rPr>
               <a:t>Third Outline Level</a:t>
             </a:r>
-            <a:endParaRPr b="0" lang="en-US" sz="2400" spc="-1" strike="noStrike">
+            <a:endParaRPr b="0" lang="en-US" sz="1800" spc="-1" strike="noStrike">
               <a:latin typeface="Arial"/>
             </a:endParaRPr>
           </a:p>
@@ -2892,12 +2894,12 @@
               <a:buChar char=""/>
             </a:pPr>
             <a:r>
-              <a:rPr b="0" lang="en-US" sz="2000" spc="-1" strike="noStrike">
+              <a:rPr b="0" lang="en-US" sz="1800" spc="-1" strike="noStrike">
                 <a:latin typeface="Arial"/>
               </a:rPr>
               <a:t>Fourth Outline Level</a:t>
             </a:r>
-            <a:endParaRPr b="0" lang="en-US" sz="2000" spc="-1" strike="noStrike">
+            <a:endParaRPr b="0" lang="en-US" sz="1800" spc="-1" strike="noStrike">
               <a:latin typeface="Arial"/>
             </a:endParaRPr>
           </a:p>
@@ -2914,12 +2916,12 @@
               <a:buChar char=""/>
             </a:pPr>
             <a:r>
-              <a:rPr b="0" lang="en-US" sz="2000" spc="-1" strike="noStrike">
+              <a:rPr b="0" lang="en-US" sz="1800" spc="-1" strike="noStrike">
                 <a:latin typeface="Arial"/>
               </a:rPr>
               <a:t>Fifth Outline Level</a:t>
             </a:r>
-            <a:endParaRPr b="0" lang="en-US" sz="2000" spc="-1" strike="noStrike">
+            <a:endParaRPr b="0" lang="en-US" sz="1800" spc="-1" strike="noStrike">
               <a:latin typeface="Arial"/>
             </a:endParaRPr>
           </a:p>
@@ -2936,12 +2938,12 @@
               <a:buChar char=""/>
             </a:pPr>
             <a:r>
-              <a:rPr b="0" lang="en-US" sz="2000" spc="-1" strike="noStrike">
+              <a:rPr b="0" lang="en-US" sz="1800" spc="-1" strike="noStrike">
                 <a:latin typeface="Arial"/>
               </a:rPr>
               <a:t>Sixth Outline Level</a:t>
             </a:r>
-            <a:endParaRPr b="0" lang="en-US" sz="2000" spc="-1" strike="noStrike">
+            <a:endParaRPr b="0" lang="en-US" sz="1800" spc="-1" strike="noStrike">
               <a:latin typeface="Arial"/>
             </a:endParaRPr>
           </a:p>
@@ -2958,12 +2960,12 @@
               <a:buChar char=""/>
             </a:pPr>
             <a:r>
-              <a:rPr b="0" lang="en-US" sz="2000" spc="-1" strike="noStrike">
+              <a:rPr b="0" lang="en-US" sz="1800" spc="-1" strike="noStrike">
                 <a:latin typeface="Arial"/>
               </a:rPr>
               <a:t>Seventh Outline Level</a:t>
             </a:r>
-            <a:endParaRPr b="0" lang="en-US" sz="2000" spc="-1" strike="noStrike">
+            <a:endParaRPr b="0" lang="en-US" sz="1800" spc="-1" strike="noStrike">
               <a:latin typeface="Arial"/>
             </a:endParaRPr>
           </a:p>
@@ -3282,7 +3284,7 @@
         <p:spPr>
           <a:xfrm>
             <a:off x="2235240" y="1820160"/>
-            <a:ext cx="7720920" cy="1909080"/>
+            <a:ext cx="7720560" cy="1908720"/>
           </a:xfrm>
           <a:prstGeom prst="rect">
             <a:avLst/>
@@ -3319,8 +3321,9 @@
                   <a:srgbClr val="000000"/>
                 </a:solidFill>
                 <a:latin typeface="Arial"/>
+                <a:ea typeface="DejaVu Sans"/>
               </a:rPr>
-              <a:t>Il faut sauver Didier !</a:t>
+              <a:t>Serre connectée</a:t>
             </a:r>
             <a:endParaRPr b="0" lang="en-US" sz="4800" spc="-1" strike="noStrike">
               <a:latin typeface="Arial"/>
@@ -3337,7 +3340,7 @@
         <p:spPr>
           <a:xfrm>
             <a:off x="1523880" y="4719600"/>
-            <a:ext cx="9143280" cy="1654920"/>
+            <a:ext cx="9142920" cy="1654560"/>
           </a:xfrm>
           <a:prstGeom prst="rect">
             <a:avLst/>
@@ -3375,6 +3378,7 @@
                   <a:srgbClr val="ffffff"/>
                 </a:solidFill>
                 <a:latin typeface="Arial"/>
+                <a:ea typeface="DejaVu Sans"/>
               </a:rPr>
               <a:t>HEIG-VD, IoT</a:t>
             </a:r>
@@ -3400,6 +3404,7 @@
                   <a:srgbClr val="ffffff"/>
                 </a:solidFill>
                 <a:latin typeface="Arial"/>
+                <a:ea typeface="DejaVu Sans"/>
               </a:rPr>
               <a:t>2023</a:t>
             </a:r>
@@ -3434,7 +3439,7 @@
         <p:spPr>
           <a:xfrm>
             <a:off x="8610480" y="6356520"/>
-            <a:ext cx="2742480" cy="364320"/>
+            <a:ext cx="2742120" cy="363960"/>
           </a:xfrm>
           <a:prstGeom prst="rect">
             <a:avLst/>
@@ -3460,14 +3465,15 @@
                 <a:spcPct val="100000"/>
               </a:lnSpc>
             </a:pPr>
-            <a:fld id="{E9BD9E71-25EF-49C3-993A-1915EE9A67BC}" type="slidenum">
+            <a:fld id="{4601C96A-56A3-4E59-9C3A-35497B028048}" type="slidenum">
               <a:rPr b="0" lang="fr-FR" sz="1200" spc="-1" strike="noStrike">
                 <a:solidFill>
                   <a:srgbClr val="8b8b8b"/>
                 </a:solidFill>
                 <a:latin typeface="Calibri"/>
+                <a:ea typeface="DejaVu Sans"/>
               </a:rPr>
-              <a:t>&lt;number&gt;</a:t>
+              <a:t>1</a:t>
             </a:fld>
             <a:endParaRPr b="0" lang="en-US" sz="1200" spc="-1" strike="noStrike">
               <a:latin typeface="Arial"/>
@@ -3484,7 +3490,7 @@
         <p:spPr>
           <a:xfrm>
             <a:off x="4038480" y="6356520"/>
-            <a:ext cx="4114080" cy="364320"/>
+            <a:ext cx="4113720" cy="363960"/>
           </a:xfrm>
           <a:prstGeom prst="rect">
             <a:avLst/>
@@ -3516,6 +3522,7 @@
                   <a:srgbClr val="8b8b8b"/>
                 </a:solidFill>
                 <a:latin typeface="Calibri"/>
+                <a:ea typeface="DejaVu Sans"/>
               </a:rPr>
               <a:t>Présentation du projet IoT, HEIG-VD</a:t>
             </a:r>
@@ -3564,7 +3571,7 @@
         <p:spPr>
           <a:xfrm>
             <a:off x="0" y="0"/>
-            <a:ext cx="12191400" cy="894960"/>
+            <a:ext cx="12191040" cy="894600"/>
           </a:xfrm>
           <a:prstGeom prst="rect">
             <a:avLst/>
@@ -3600,7 +3607,7 @@
         <p:spPr>
           <a:xfrm>
             <a:off x="317520" y="1123920"/>
-            <a:ext cx="11519280" cy="5106600"/>
+            <a:ext cx="11518920" cy="5106240"/>
           </a:xfrm>
           <a:prstGeom prst="rect">
             <a:avLst/>
@@ -3660,7 +3667,7 @@
             </a:endParaRPr>
           </a:p>
           <a:p>
-            <a:pPr marL="228600" indent="-227880">
+            <a:pPr marL="228600" indent="-227520">
               <a:lnSpc>
                 <a:spcPct val="90000"/>
               </a:lnSpc>
@@ -3679,15 +3686,16 @@
                   <a:srgbClr val="000000"/>
                 </a:solidFill>
                 <a:latin typeface="Calibri"/>
+                <a:ea typeface="DejaVu Sans"/>
               </a:rPr>
-              <a:t>Comment aider Didier à optimiser ses cultures et protéger sa grange ? </a:t>
+              <a:t>Preuve de concept d’une serre connectée</a:t>
             </a:r>
             <a:endParaRPr b="0" lang="en-US" sz="2800" spc="-1" strike="noStrike">
               <a:latin typeface="Arial"/>
             </a:endParaRPr>
           </a:p>
           <a:p>
-            <a:pPr marL="228600" indent="-227880">
+            <a:pPr marL="228600" indent="-227520">
               <a:lnSpc>
                 <a:spcPct val="90000"/>
               </a:lnSpc>
@@ -3706,15 +3714,16 @@
                   <a:srgbClr val="000000"/>
                 </a:solidFill>
                 <a:latin typeface="Calibri"/>
+                <a:ea typeface="DejaVu Sans"/>
               </a:rPr>
-              <a:t>Système de mesures de la santé du sol afin de diminuer l’utilisation abusive d’engrais</a:t>
+              <a:t>Comment aider Didier à optimiser ses cultures et protéger sa serre ? </a:t>
             </a:r>
             <a:endParaRPr b="0" lang="en-US" sz="2800" spc="-1" strike="noStrike">
               <a:latin typeface="Arial"/>
             </a:endParaRPr>
           </a:p>
           <a:p>
-            <a:pPr marL="228600" indent="-227880">
+            <a:pPr marL="228600" indent="-227520">
               <a:lnSpc>
                 <a:spcPct val="90000"/>
               </a:lnSpc>
@@ -3733,8 +3742,37 @@
                   <a:srgbClr val="000000"/>
                 </a:solidFill>
                 <a:latin typeface="Calibri"/>
+                <a:ea typeface="DejaVu Sans"/>
               </a:rPr>
-              <a:t>Système de sécurité pour protéger les outils onéreux de Didier</a:t>
+              <a:t>Système de mesures de la santé du sol afin de diminuer l’utilisation abusive d’engrais</a:t>
+            </a:r>
+            <a:endParaRPr b="0" lang="en-US" sz="2800" spc="-1" strike="noStrike">
+              <a:latin typeface="Arial"/>
+            </a:endParaRPr>
+          </a:p>
+          <a:p>
+            <a:pPr marL="228600" indent="-227520">
+              <a:lnSpc>
+                <a:spcPct val="90000"/>
+              </a:lnSpc>
+              <a:spcBef>
+                <a:spcPts val="1001"/>
+              </a:spcBef>
+              <a:buClr>
+                <a:srgbClr val="000000"/>
+              </a:buClr>
+              <a:buFont typeface="Arial"/>
+              <a:buChar char="•"/>
+            </a:pPr>
+            <a:r>
+              <a:rPr b="0" lang="fr-FR" sz="2800" spc="-1" strike="noStrike">
+                <a:solidFill>
+                  <a:srgbClr val="000000"/>
+                </a:solidFill>
+                <a:latin typeface="Calibri"/>
+                <a:ea typeface="DejaVu Sans"/>
+              </a:rPr>
+              <a:t>Système de sécurité pour protéger l’accès à la serre</a:t>
             </a:r>
             <a:endParaRPr b="0" lang="en-US" sz="2800" spc="-1" strike="noStrike">
               <a:latin typeface="Arial"/>
@@ -3784,7 +3822,7 @@
         <p:spPr>
           <a:xfrm>
             <a:off x="317520" y="93960"/>
-            <a:ext cx="11537640" cy="699480"/>
+            <a:ext cx="11537280" cy="699120"/>
           </a:xfrm>
           <a:prstGeom prst="rect">
             <a:avLst/>
@@ -3811,7 +3849,7 @@
               </a:lnSpc>
             </a:pPr>
             <a:r>
-              <a:rPr b="0" lang="en-GB" sz="4000" spc="197" strike="noStrike">
+              <a:rPr b="0" lang="en-GB" sz="4000" spc="194" strike="noStrike">
                 <a:solidFill>
                   <a:srgbClr val="ffffff"/>
                 </a:solidFill>
@@ -3835,7 +3873,7 @@
         <p:spPr>
           <a:xfrm>
             <a:off x="3145320" y="6400800"/>
-            <a:ext cx="5900400" cy="319320"/>
+            <a:ext cx="5900040" cy="318960"/>
           </a:xfrm>
           <a:prstGeom prst="rect">
             <a:avLst/>
@@ -3867,6 +3905,7 @@
                   <a:srgbClr val="8b8b8b"/>
                 </a:solidFill>
                 <a:latin typeface="Arial"/>
+                <a:ea typeface="DejaVu Sans"/>
               </a:rPr>
               <a:t>Présentation du projet IoT, HEIG-VD</a:t>
             </a:r>
@@ -3885,7 +3924,7 @@
         <p:spPr>
           <a:xfrm>
             <a:off x="11425680" y="6400800"/>
-            <a:ext cx="429480" cy="360000"/>
+            <a:ext cx="429120" cy="359640"/>
           </a:xfrm>
           <a:prstGeom prst="rect">
             <a:avLst/>
@@ -3913,14 +3952,15 @@
                 <a:spcPct val="100000"/>
               </a:lnSpc>
             </a:pPr>
-            <a:fld id="{EB443106-3129-430E-8BEE-A4740F5A8709}" type="slidenum">
+            <a:fld id="{68521BD9-9EBE-4AFD-8C6D-08A65EB335CF}" type="slidenum">
               <a:rPr b="0" lang="en-GB" sz="1400" spc="-1" strike="noStrike">
                 <a:solidFill>
                   <a:srgbClr val="ffffff"/>
                 </a:solidFill>
                 <a:latin typeface="Arial"/>
+                <a:ea typeface="DejaVu Sans"/>
               </a:rPr>
-              <a:t>&lt;number&gt;</a:t>
+              <a:t>2</a:t>
             </a:fld>
             <a:endParaRPr b="0" lang="en-US" sz="1400" spc="-1" strike="noStrike">
               <a:latin typeface="Arial"/>
@@ -3967,7 +4007,7 @@
         <p:spPr>
           <a:xfrm>
             <a:off x="0" y="0"/>
-            <a:ext cx="12191400" cy="894960"/>
+            <a:ext cx="12191040" cy="894600"/>
           </a:xfrm>
           <a:prstGeom prst="rect">
             <a:avLst/>
@@ -4036,7 +4076,7 @@
         <p:spPr>
           <a:xfrm>
             <a:off x="317520" y="93960"/>
-            <a:ext cx="11537640" cy="699480"/>
+            <a:ext cx="11537280" cy="699120"/>
           </a:xfrm>
           <a:prstGeom prst="rect">
             <a:avLst/>
@@ -4063,7 +4103,7 @@
               </a:lnSpc>
             </a:pPr>
             <a:r>
-              <a:rPr b="0" lang="en-GB" sz="4000" spc="197" strike="noStrike">
+              <a:rPr b="0" lang="en-GB" sz="4000" spc="194" strike="noStrike">
                 <a:solidFill>
                   <a:srgbClr val="ffffff"/>
                 </a:solidFill>
@@ -4087,7 +4127,7 @@
         <p:spPr>
           <a:xfrm>
             <a:off x="3145320" y="6400800"/>
-            <a:ext cx="5900400" cy="319320"/>
+            <a:ext cx="5900040" cy="318960"/>
           </a:xfrm>
           <a:prstGeom prst="rect">
             <a:avLst/>
@@ -4119,6 +4159,7 @@
                   <a:srgbClr val="8b8b8b"/>
                 </a:solidFill>
                 <a:latin typeface="Arial"/>
+                <a:ea typeface="DejaVu Sans"/>
               </a:rPr>
               <a:t>Présentation du projet IoT, HEIG-VD</a:t>
             </a:r>
@@ -4137,7 +4178,7 @@
         <p:spPr>
           <a:xfrm>
             <a:off x="11425680" y="6400800"/>
-            <a:ext cx="429480" cy="360000"/>
+            <a:ext cx="429120" cy="359640"/>
           </a:xfrm>
           <a:prstGeom prst="rect">
             <a:avLst/>
@@ -4165,14 +4206,15 @@
                 <a:spcPct val="100000"/>
               </a:lnSpc>
             </a:pPr>
-            <a:fld id="{61443D74-4512-4C47-BAA6-2A545F604914}" type="slidenum">
+            <a:fld id="{9B49CA43-CDB4-4B9D-8373-C2A9491F119F}" type="slidenum">
               <a:rPr b="0" lang="en-GB" sz="1400" spc="-1" strike="noStrike">
                 <a:solidFill>
                   <a:srgbClr val="ffffff"/>
                 </a:solidFill>
                 <a:latin typeface="Arial"/>
+                <a:ea typeface="DejaVu Sans"/>
               </a:rPr>
-              <a:t>&lt;number&gt;</a:t>
+              <a:t>2</a:t>
             </a:fld>
             <a:endParaRPr b="0" lang="en-US" sz="1400" spc="-1" strike="noStrike">
               <a:latin typeface="Arial"/>
@@ -4189,7 +4231,7 @@
         <p:spPr>
           <a:xfrm>
             <a:off x="317520" y="1123920"/>
-            <a:ext cx="11519280" cy="5106600"/>
+            <a:ext cx="11518920" cy="5106240"/>
           </a:xfrm>
           <a:prstGeom prst="rect">
             <a:avLst/>
@@ -4249,7 +4291,7 @@
             </a:endParaRPr>
           </a:p>
           <a:p>
-            <a:pPr marL="432000" indent="-323640">
+            <a:pPr marL="432000" indent="-323280">
               <a:lnSpc>
                 <a:spcPct val="100000"/>
               </a:lnSpc>
@@ -4269,10 +4311,137 @@
                   <a:srgbClr val="000000"/>
                 </a:solidFill>
                 <a:latin typeface="Calibri"/>
+                <a:ea typeface="DejaVu Sans"/>
               </a:rPr>
-              <a:t>Mehdi Salhi, Guilain Mbayo, Anthony Coke </a:t>
+              <a:t>Mehdi Salhi, Guilain Mbayo, Anthony Coke</a:t>
             </a:r>
             <a:endParaRPr b="0" lang="en-US" sz="2800" spc="-1" strike="noStrike">
+              <a:latin typeface="Arial"/>
+            </a:endParaRPr>
+          </a:p>
+          <a:p>
+            <a:pPr marL="432000" indent="-323280">
+              <a:lnSpc>
+                <a:spcPct val="100000"/>
+              </a:lnSpc>
+              <a:spcBef>
+                <a:spcPts val="1417"/>
+              </a:spcBef>
+              <a:buClr>
+                <a:srgbClr val="000000"/>
+              </a:buClr>
+              <a:buSzPct val="45000"/>
+              <a:buFont typeface="Wingdings" charset="2"/>
+              <a:buChar char=""/>
+            </a:pPr>
+            <a:endParaRPr b="0" lang="en-US" sz="2800" spc="-1" strike="noStrike">
+              <a:latin typeface="Arial"/>
+            </a:endParaRPr>
+          </a:p>
+          <a:p>
+            <a:pPr marL="432000" indent="-323280">
+              <a:lnSpc>
+                <a:spcPct val="100000"/>
+              </a:lnSpc>
+              <a:spcBef>
+                <a:spcPts val="1417"/>
+              </a:spcBef>
+              <a:buClr>
+                <a:srgbClr val="000000"/>
+              </a:buClr>
+              <a:buSzPct val="45000"/>
+              <a:buFont typeface="Wingdings" charset="2"/>
+              <a:buChar char=""/>
+            </a:pPr>
+            <a:endParaRPr b="0" lang="en-US" sz="2800" spc="-1" strike="noStrike">
+              <a:latin typeface="Arial"/>
+            </a:endParaRPr>
+          </a:p>
+          <a:p>
+            <a:pPr marL="432000" indent="-323280">
+              <a:lnSpc>
+                <a:spcPct val="100000"/>
+              </a:lnSpc>
+              <a:spcBef>
+                <a:spcPts val="1417"/>
+              </a:spcBef>
+              <a:buClr>
+                <a:srgbClr val="000000"/>
+              </a:buClr>
+              <a:buSzPct val="45000"/>
+              <a:buFont typeface="Wingdings" charset="2"/>
+              <a:buChar char=""/>
+            </a:pPr>
+            <a:r>
+              <a:rPr b="0" lang="fr-FR" sz="2800" spc="-1" strike="noStrike">
+                <a:solidFill>
+                  <a:srgbClr val="000000"/>
+                </a:solidFill>
+                <a:latin typeface="Calibri"/>
+                <a:ea typeface="DejaVu Sans"/>
+              </a:rPr>
+              <a:t>Et Didier le fermier </a:t>
+            </a:r>
+            <a:endParaRPr b="0" lang="en-US" sz="2800" spc="-1" strike="noStrike">
+              <a:latin typeface="Arial"/>
+            </a:endParaRPr>
+          </a:p>
+        </p:txBody>
+      </p:sp>
+      <p:pic>
+        <p:nvPicPr>
+          <p:cNvPr id="92" name="" descr=""/>
+          <p:cNvPicPr/>
+          <p:nvPr/>
+        </p:nvPicPr>
+        <p:blipFill>
+          <a:blip r:embed="rId1"/>
+          <a:stretch/>
+        </p:blipFill>
+        <p:spPr>
+          <a:xfrm>
+            <a:off x="5029200" y="3900240"/>
+            <a:ext cx="1828800" cy="1814760"/>
+          </a:xfrm>
+          <a:prstGeom prst="rect">
+            <a:avLst/>
+          </a:prstGeom>
+          <a:ln w="0">
+            <a:noFill/>
+          </a:ln>
+        </p:spPr>
+      </p:pic>
+      <p:sp>
+        <p:nvSpPr>
+          <p:cNvPr id="93" name="TextShape 7"/>
+          <p:cNvSpPr txBox="1"/>
+          <p:nvPr/>
+        </p:nvSpPr>
+        <p:spPr>
+          <a:xfrm>
+            <a:off x="4957200" y="5715000"/>
+            <a:ext cx="2050560" cy="232200"/>
+          </a:xfrm>
+          <a:prstGeom prst="rect">
+            <a:avLst/>
+          </a:prstGeom>
+          <a:noFill/>
+          <a:ln w="0">
+            <a:noFill/>
+          </a:ln>
+        </p:spPr>
+        <p:txBody>
+          <a:bodyPr lIns="90000" rIns="90000" tIns="45000" bIns="45000">
+            <a:noAutofit/>
+          </a:bodyPr>
+          <a:p>
+            <a:r>
+              <a:rPr b="0" lang="en-US" sz="1000" spc="-1" strike="noStrike">
+                <a:latin typeface="Arial"/>
+              </a:rPr>
+              <a:t>Source: https://www.craiyon.com/</a:t>
+            </a:r>
+            <a:endParaRPr b="0" lang="en-US" sz="1000" spc="-1" strike="noStrike">
               <a:latin typeface="Arial"/>
             </a:endParaRPr>
           </a:p>
@@ -4310,14 +4479,14 @@
       </p:grpSpPr>
       <p:sp>
         <p:nvSpPr>
-          <p:cNvPr id="92" name="CustomShape 1"/>
+          <p:cNvPr id="94" name="CustomShape 1"/>
           <p:cNvSpPr/>
           <p:nvPr/>
         </p:nvSpPr>
         <p:spPr>
           <a:xfrm>
             <a:off x="0" y="0"/>
-            <a:ext cx="12191400" cy="894960"/>
+            <a:ext cx="12191040" cy="894600"/>
           </a:xfrm>
           <a:prstGeom prst="rect">
             <a:avLst/>
@@ -4346,7 +4515,7 @@
       </p:sp>
       <p:sp>
         <p:nvSpPr>
-          <p:cNvPr id="93" name="Line 2"/>
+          <p:cNvPr id="95" name="Line 2"/>
           <p:cNvSpPr/>
           <p:nvPr/>
         </p:nvSpPr>
@@ -4379,14 +4548,14 @@
       </p:sp>
       <p:sp>
         <p:nvSpPr>
-          <p:cNvPr id="94" name="CustomShape 3"/>
+          <p:cNvPr id="96" name="CustomShape 3"/>
           <p:cNvSpPr/>
           <p:nvPr/>
         </p:nvSpPr>
         <p:spPr>
           <a:xfrm>
             <a:off x="317520" y="93960"/>
-            <a:ext cx="11537640" cy="699480"/>
+            <a:ext cx="11537280" cy="699120"/>
           </a:xfrm>
           <a:prstGeom prst="rect">
             <a:avLst/>
@@ -4413,7 +4582,7 @@
               </a:lnSpc>
             </a:pPr>
             <a:r>
-              <a:rPr b="0" lang="en-GB" sz="4000" spc="197" strike="noStrike">
+              <a:rPr b="0" lang="en-GB" sz="4000" spc="194" strike="noStrike">
                 <a:solidFill>
                   <a:srgbClr val="ffffff"/>
                 </a:solidFill>
@@ -4430,14 +4599,14 @@
       </p:sp>
       <p:sp>
         <p:nvSpPr>
-          <p:cNvPr id="95" name="CustomShape 4"/>
+          <p:cNvPr id="97" name="CustomShape 4"/>
           <p:cNvSpPr/>
           <p:nvPr/>
         </p:nvSpPr>
         <p:spPr>
           <a:xfrm>
             <a:off x="3145320" y="6400800"/>
-            <a:ext cx="5900400" cy="319320"/>
+            <a:ext cx="5900040" cy="318960"/>
           </a:xfrm>
           <a:prstGeom prst="rect">
             <a:avLst/>
@@ -4469,6 +4638,7 @@
                   <a:srgbClr val="8b8b8b"/>
                 </a:solidFill>
                 <a:latin typeface="Arial"/>
+                <a:ea typeface="DejaVu Sans"/>
               </a:rPr>
               <a:t>Présentation du projet IoT, HEIG-VD</a:t>
             </a:r>
@@ -4480,14 +4650,14 @@
       </p:sp>
       <p:sp>
         <p:nvSpPr>
-          <p:cNvPr id="96" name="CustomShape 5"/>
+          <p:cNvPr id="98" name="CustomShape 5"/>
           <p:cNvSpPr/>
           <p:nvPr/>
         </p:nvSpPr>
         <p:spPr>
           <a:xfrm>
             <a:off x="11425680" y="6400800"/>
-            <a:ext cx="429480" cy="360000"/>
+            <a:ext cx="429120" cy="359640"/>
           </a:xfrm>
           <a:prstGeom prst="rect">
             <a:avLst/>
@@ -4515,14 +4685,15 @@
                 <a:spcPct val="100000"/>
               </a:lnSpc>
             </a:pPr>
-            <a:fld id="{470614D2-9E35-4532-BD31-559C1C9641D0}" type="slidenum">
+            <a:fld id="{FD49EE0D-08C3-4AE3-9ED2-26C08D3AB4E4}" type="slidenum">
               <a:rPr b="0" lang="en-GB" sz="1400" spc="-1" strike="noStrike">
                 <a:solidFill>
                   <a:srgbClr val="ffffff"/>
                 </a:solidFill>
                 <a:latin typeface="Arial"/>
+                <a:ea typeface="DejaVu Sans"/>
               </a:rPr>
-              <a:t>&lt;number&gt;</a:t>
+              <a:t>3</a:t>
             </a:fld>
             <a:endParaRPr b="0" lang="en-US" sz="1400" spc="-1" strike="noStrike">
               <a:latin typeface="Arial"/>
@@ -4532,14 +4703,14 @@
       </p:sp>
       <p:sp>
         <p:nvSpPr>
-          <p:cNvPr id="97" name="CustomShape 6"/>
+          <p:cNvPr id="99" name="CustomShape 6"/>
           <p:cNvSpPr/>
           <p:nvPr/>
         </p:nvSpPr>
         <p:spPr>
           <a:xfrm>
             <a:off x="317520" y="1123920"/>
-            <a:ext cx="11519280" cy="5106600"/>
+            <a:ext cx="11518920" cy="5106240"/>
           </a:xfrm>
           <a:prstGeom prst="rect">
             <a:avLst/>
@@ -4586,7 +4757,7 @@
             </a:endParaRPr>
           </a:p>
           <a:p>
-            <a:pPr marL="432000" indent="-323640">
+            <a:pPr marL="432000" indent="-323280">
               <a:lnSpc>
                 <a:spcPct val="100000"/>
               </a:lnSpc>
@@ -4606,6 +4777,7 @@
                   <a:srgbClr val="000000"/>
                 </a:solidFill>
                 <a:latin typeface="Calibri"/>
+                <a:ea typeface="DejaVu Sans"/>
               </a:rPr>
               <a:t>Sujet ancré dans le contexte écologique actuelle</a:t>
             </a:r>
@@ -4614,7 +4786,7 @@
             </a:endParaRPr>
           </a:p>
           <a:p>
-            <a:pPr marL="432000" indent="-323640">
+            <a:pPr marL="432000" indent="-323280">
               <a:lnSpc>
                 <a:spcPct val="100000"/>
               </a:lnSpc>
@@ -4634,15 +4806,16 @@
                   <a:srgbClr val="000000"/>
                 </a:solidFill>
                 <a:latin typeface="Calibri"/>
+                <a:ea typeface="DejaVu Sans"/>
               </a:rPr>
-              <a:t>Coût d’un système de sécurité relativement élevé</a:t>
+              <a:t>Démocratiser et faciliter l’accès au jardinage</a:t>
             </a:r>
             <a:endParaRPr b="0" lang="en-US" sz="2800" spc="-1" strike="noStrike">
               <a:latin typeface="Arial"/>
             </a:endParaRPr>
           </a:p>
           <a:p>
-            <a:pPr marL="432000" indent="-323640">
+            <a:pPr marL="432000" indent="-323280">
               <a:lnSpc>
                 <a:spcPct val="100000"/>
               </a:lnSpc>
@@ -4662,6 +4835,36 @@
                   <a:srgbClr val="000000"/>
                 </a:solidFill>
                 <a:latin typeface="Calibri"/>
+                <a:ea typeface="DejaVu Sans"/>
+              </a:rPr>
+              <a:t>Système ouvert et open source</a:t>
+            </a:r>
+            <a:endParaRPr b="0" lang="en-US" sz="2800" spc="-1" strike="noStrike">
+              <a:latin typeface="Arial"/>
+            </a:endParaRPr>
+          </a:p>
+          <a:p>
+            <a:pPr marL="432000" indent="-323280">
+              <a:lnSpc>
+                <a:spcPct val="100000"/>
+              </a:lnSpc>
+              <a:spcBef>
+                <a:spcPts val="1417"/>
+              </a:spcBef>
+              <a:buClr>
+                <a:srgbClr val="000000"/>
+              </a:buClr>
+              <a:buSzPct val="45000"/>
+              <a:buFont typeface="Wingdings" charset="2"/>
+              <a:buChar char=""/>
+            </a:pPr>
+            <a:r>
+              <a:rPr b="0" lang="fr-FR" sz="2800" spc="-1" strike="noStrike">
+                <a:solidFill>
+                  <a:srgbClr val="000000"/>
+                </a:solidFill>
+                <a:latin typeface="Calibri"/>
+                <a:ea typeface="DejaVu Sans"/>
               </a:rPr>
               <a:t>Le pauvre Didier, il faut l’aider !</a:t>
             </a:r>
@@ -4703,14 +4906,14 @@
       </p:grpSpPr>
       <p:sp>
         <p:nvSpPr>
-          <p:cNvPr id="98" name="CustomShape 1"/>
+          <p:cNvPr id="100" name="CustomShape 1"/>
           <p:cNvSpPr/>
           <p:nvPr/>
         </p:nvSpPr>
         <p:spPr>
           <a:xfrm>
             <a:off x="0" y="0"/>
-            <a:ext cx="12191400" cy="894960"/>
+            <a:ext cx="12191040" cy="894600"/>
           </a:xfrm>
           <a:prstGeom prst="rect">
             <a:avLst/>
@@ -4739,7 +4942,7 @@
       </p:sp>
       <p:sp>
         <p:nvSpPr>
-          <p:cNvPr id="99" name="Line 2"/>
+          <p:cNvPr id="101" name="Line 2"/>
           <p:cNvSpPr/>
           <p:nvPr/>
         </p:nvSpPr>
@@ -4772,14 +4975,14 @@
       </p:sp>
       <p:sp>
         <p:nvSpPr>
-          <p:cNvPr id="100" name="CustomShape 3"/>
+          <p:cNvPr id="102" name="CustomShape 3"/>
           <p:cNvSpPr/>
           <p:nvPr/>
         </p:nvSpPr>
         <p:spPr>
           <a:xfrm>
             <a:off x="317520" y="93960"/>
-            <a:ext cx="11537640" cy="699480"/>
+            <a:ext cx="11537280" cy="699120"/>
           </a:xfrm>
           <a:prstGeom prst="rect">
             <a:avLst/>
@@ -4806,7 +5009,7 @@
               </a:lnSpc>
             </a:pPr>
             <a:r>
-              <a:rPr b="0" lang="en-GB" sz="4000" spc="197" strike="noStrike">
+              <a:rPr b="0" lang="en-GB" sz="4000" spc="194" strike="noStrike">
                 <a:solidFill>
                   <a:srgbClr val="ffffff"/>
                 </a:solidFill>
@@ -4823,14 +5026,14 @@
       </p:sp>
       <p:sp>
         <p:nvSpPr>
-          <p:cNvPr id="101" name="CustomShape 4"/>
+          <p:cNvPr id="103" name="CustomShape 4"/>
           <p:cNvSpPr/>
           <p:nvPr/>
         </p:nvSpPr>
         <p:spPr>
           <a:xfrm>
             <a:off x="3145320" y="6400800"/>
-            <a:ext cx="5900400" cy="319320"/>
+            <a:ext cx="5900040" cy="318960"/>
           </a:xfrm>
           <a:prstGeom prst="rect">
             <a:avLst/>
@@ -4862,6 +5065,7 @@
                   <a:srgbClr val="8b8b8b"/>
                 </a:solidFill>
                 <a:latin typeface="Arial"/>
+                <a:ea typeface="DejaVu Sans"/>
               </a:rPr>
               <a:t>Présentation du projet IoT, HEIG-VD</a:t>
             </a:r>
@@ -4873,14 +5077,14 @@
       </p:sp>
       <p:sp>
         <p:nvSpPr>
-          <p:cNvPr id="102" name="CustomShape 5"/>
+          <p:cNvPr id="104" name="CustomShape 5"/>
           <p:cNvSpPr/>
           <p:nvPr/>
         </p:nvSpPr>
         <p:spPr>
           <a:xfrm>
             <a:off x="11425680" y="6400800"/>
-            <a:ext cx="429480" cy="360000"/>
+            <a:ext cx="429120" cy="359640"/>
           </a:xfrm>
           <a:prstGeom prst="rect">
             <a:avLst/>
@@ -4908,14 +5112,15 @@
                 <a:spcPct val="100000"/>
               </a:lnSpc>
             </a:pPr>
-            <a:fld id="{557C0327-3888-484F-B55D-2BA58CFCDA92}" type="slidenum">
+            <a:fld id="{8A64B8D6-9F6A-41E7-BA2B-A545CAA58AB2}" type="slidenum">
               <a:rPr b="0" lang="en-GB" sz="1400" spc="-1" strike="noStrike">
                 <a:solidFill>
                   <a:srgbClr val="ffffff"/>
                 </a:solidFill>
                 <a:latin typeface="Arial"/>
+                <a:ea typeface="DejaVu Sans"/>
               </a:rPr>
-              <a:t>&lt;number&gt;</a:t>
+              <a:t>4</a:t>
             </a:fld>
             <a:endParaRPr b="0" lang="en-US" sz="1400" spc="-1" strike="noStrike">
               <a:latin typeface="Arial"/>
@@ -4925,14 +5130,14 @@
       </p:sp>
       <p:sp>
         <p:nvSpPr>
-          <p:cNvPr id="103" name="CustomShape 6"/>
+          <p:cNvPr id="105" name="CustomShape 6"/>
           <p:cNvSpPr/>
           <p:nvPr/>
         </p:nvSpPr>
         <p:spPr>
           <a:xfrm>
             <a:off x="317520" y="1123920"/>
-            <a:ext cx="11519280" cy="5106600"/>
+            <a:ext cx="11518920" cy="5106240"/>
           </a:xfrm>
           <a:prstGeom prst="rect">
             <a:avLst/>
@@ -4979,7 +5184,7 @@
             </a:endParaRPr>
           </a:p>
           <a:p>
-            <a:pPr marL="228600" indent="-227880">
+            <a:pPr marL="228600" indent="-227520">
               <a:lnSpc>
                 <a:spcPct val="90000"/>
               </a:lnSpc>
@@ -4998,6 +5203,7 @@
                   <a:srgbClr val="000000"/>
                 </a:solidFill>
                 <a:latin typeface="Calibri"/>
+                <a:ea typeface="DejaVu Sans"/>
               </a:rPr>
               <a:t>De nombreux installateurs de systèmes de sécurité existent</a:t>
             </a:r>
@@ -5006,7 +5212,7 @@
             </a:endParaRPr>
           </a:p>
           <a:p>
-            <a:pPr marL="228600" indent="-227880">
+            <a:pPr marL="228600" indent="-227520">
               <a:lnSpc>
                 <a:spcPct val="90000"/>
               </a:lnSpc>
@@ -5025,6 +5231,7 @@
                   <a:srgbClr val="000000"/>
                 </a:solidFill>
                 <a:latin typeface="Calibri"/>
+                <a:ea typeface="DejaVu Sans"/>
               </a:rPr>
               <a:t>Est-ce qu’il existe, quel est le coût ? Quelle technologie utilise-t-il ?</a:t>
             </a:r>
@@ -5033,7 +5240,7 @@
             </a:endParaRPr>
           </a:p>
           <a:p>
-            <a:pPr marL="228600" indent="-227880">
+            <a:pPr marL="228600" indent="-227520">
               <a:lnSpc>
                 <a:spcPct val="90000"/>
               </a:lnSpc>
@@ -5052,6 +5259,7 @@
                   <a:srgbClr val="000000"/>
                 </a:solidFill>
                 <a:latin typeface="Calibri"/>
+                <a:ea typeface="DejaVu Sans"/>
               </a:rPr>
               <a:t>Pourquoi je propose celui-là ?</a:t>
             </a:r>
@@ -5093,14 +5301,14 @@
       </p:grpSpPr>
       <p:sp>
         <p:nvSpPr>
-          <p:cNvPr id="104" name="CustomShape 1"/>
+          <p:cNvPr id="106" name="CustomShape 1"/>
           <p:cNvSpPr/>
           <p:nvPr/>
         </p:nvSpPr>
         <p:spPr>
           <a:xfrm>
             <a:off x="0" y="0"/>
-            <a:ext cx="12191400" cy="894960"/>
+            <a:ext cx="12191040" cy="894600"/>
           </a:xfrm>
           <a:prstGeom prst="rect">
             <a:avLst/>
@@ -5129,7 +5337,7 @@
       </p:sp>
       <p:sp>
         <p:nvSpPr>
-          <p:cNvPr id="105" name="Line 2"/>
+          <p:cNvPr id="107" name="Line 2"/>
           <p:cNvSpPr/>
           <p:nvPr/>
         </p:nvSpPr>
@@ -5162,14 +5370,14 @@
       </p:sp>
       <p:sp>
         <p:nvSpPr>
-          <p:cNvPr id="106" name="CustomShape 3"/>
+          <p:cNvPr id="108" name="CustomShape 3"/>
           <p:cNvSpPr/>
           <p:nvPr/>
         </p:nvSpPr>
         <p:spPr>
           <a:xfrm>
             <a:off x="317520" y="93960"/>
-            <a:ext cx="11537640" cy="699480"/>
+            <a:ext cx="11537280" cy="699120"/>
           </a:xfrm>
           <a:prstGeom prst="rect">
             <a:avLst/>
@@ -5196,7 +5404,7 @@
               </a:lnSpc>
             </a:pPr>
             <a:r>
-              <a:rPr b="0" lang="en-GB" sz="4000" spc="197" strike="noStrike">
+              <a:rPr b="0" lang="en-GB" sz="4000" spc="194" strike="noStrike">
                 <a:solidFill>
                   <a:srgbClr val="ffffff"/>
                 </a:solidFill>
@@ -5213,14 +5421,14 @@
       </p:sp>
       <p:sp>
         <p:nvSpPr>
-          <p:cNvPr id="107" name="CustomShape 4"/>
+          <p:cNvPr id="109" name="CustomShape 4"/>
           <p:cNvSpPr/>
           <p:nvPr/>
         </p:nvSpPr>
         <p:spPr>
           <a:xfrm>
             <a:off x="3145320" y="6400800"/>
-            <a:ext cx="5900400" cy="319320"/>
+            <a:ext cx="5900040" cy="318960"/>
           </a:xfrm>
           <a:prstGeom prst="rect">
             <a:avLst/>
@@ -5252,6 +5460,7 @@
                   <a:srgbClr val="8b8b8b"/>
                 </a:solidFill>
                 <a:latin typeface="Arial"/>
+                <a:ea typeface="DejaVu Sans"/>
               </a:rPr>
               <a:t>Présentation du projet IoT, HEIG-VD</a:t>
             </a:r>
@@ -5263,14 +5472,14 @@
       </p:sp>
       <p:sp>
         <p:nvSpPr>
-          <p:cNvPr id="108" name="CustomShape 5"/>
+          <p:cNvPr id="110" name="CustomShape 5"/>
           <p:cNvSpPr/>
           <p:nvPr/>
         </p:nvSpPr>
         <p:spPr>
           <a:xfrm>
             <a:off x="11425680" y="6400800"/>
-            <a:ext cx="429480" cy="360000"/>
+            <a:ext cx="429120" cy="359640"/>
           </a:xfrm>
           <a:prstGeom prst="rect">
             <a:avLst/>
@@ -5298,14 +5507,15 @@
                 <a:spcPct val="100000"/>
               </a:lnSpc>
             </a:pPr>
-            <a:fld id="{B5644F24-3721-411D-87F1-66072E526E68}" type="slidenum">
+            <a:fld id="{6651F976-B502-41FA-95E1-F7BC2A64CD35}" type="slidenum">
               <a:rPr b="0" lang="en-GB" sz="1400" spc="-1" strike="noStrike">
                 <a:solidFill>
                   <a:srgbClr val="ffffff"/>
                 </a:solidFill>
                 <a:latin typeface="Arial"/>
+                <a:ea typeface="DejaVu Sans"/>
               </a:rPr>
-              <a:t>&lt;number&gt;</a:t>
+              <a:t>5</a:t>
             </a:fld>
             <a:endParaRPr b="0" lang="en-US" sz="1400" spc="-1" strike="noStrike">
               <a:latin typeface="Arial"/>
@@ -5315,14 +5525,14 @@
       </p:sp>
       <p:sp>
         <p:nvSpPr>
-          <p:cNvPr id="109" name="CustomShape 6"/>
+          <p:cNvPr id="111" name="CustomShape 6"/>
           <p:cNvSpPr/>
           <p:nvPr/>
         </p:nvSpPr>
         <p:spPr>
           <a:xfrm>
             <a:off x="317520" y="1123920"/>
-            <a:ext cx="11519280" cy="5106600"/>
+            <a:ext cx="11518920" cy="5106240"/>
           </a:xfrm>
           <a:prstGeom prst="rect">
             <a:avLst/>
@@ -5343,7 +5553,7 @@
             <a:normAutofit/>
           </a:bodyPr>
           <a:p>
-            <a:pPr marL="228600" indent="-227880">
+            <a:pPr marL="228600" indent="-227520">
               <a:lnSpc>
                 <a:spcPct val="90000"/>
               </a:lnSpc>
@@ -5362,15 +5572,45 @@
                   <a:srgbClr val="000000"/>
                 </a:solidFill>
                 <a:latin typeface="Calibri"/>
+                <a:ea typeface="DejaVu Sans"/>
               </a:rPr>
-              <a:t>Caméra</a:t>
+              <a:t>Education Kit MKR Iot Carrier</a:t>
             </a:r>
             <a:endParaRPr b="0" lang="en-US" sz="2800" spc="-1" strike="noStrike">
               <a:latin typeface="Arial"/>
             </a:endParaRPr>
           </a:p>
           <a:p>
-            <a:pPr marL="228600" indent="-227880">
+            <a:pPr lvl="1" marL="432000" indent="-216000">
+              <a:lnSpc>
+                <a:spcPct val="90000"/>
+              </a:lnSpc>
+              <a:spcBef>
+                <a:spcPts val="1001"/>
+              </a:spcBef>
+              <a:buClr>
+                <a:srgbClr val="000000"/>
+              </a:buClr>
+              <a:buSzPct val="45000"/>
+              <a:buFont typeface="Wingdings" charset="2"/>
+              <a:buChar char=""/>
+            </a:pPr>
+            <a:r>
+              <a:rPr b="0" lang="fr-FR" sz="2800" spc="-1" strike="noStrike">
+                <a:solidFill>
+                  <a:srgbClr val="000000"/>
+                </a:solidFill>
+                <a:latin typeface="Calibri"/>
+                <a:ea typeface="DejaVu Sans"/>
+              </a:rPr>
+              <a:t>Température, humidité, lumière, leds, buzzer, boutons, humidité du sol</a:t>
+            </a:r>
+            <a:endParaRPr b="0" lang="en-US" sz="2800" spc="-1" strike="noStrike">
+              <a:latin typeface="Arial"/>
+            </a:endParaRPr>
+          </a:p>
+          <a:p>
+            <a:pPr marL="228600" indent="-227520">
               <a:lnSpc>
                 <a:spcPct val="90000"/>
               </a:lnSpc>
@@ -5389,15 +5629,16 @@
                   <a:srgbClr val="000000"/>
                 </a:solidFill>
                 <a:latin typeface="Calibri"/>
+                <a:ea typeface="DejaVu Sans"/>
               </a:rPr>
-              <a:t>Sirène</a:t>
+              <a:t>Détecteur de mouvement</a:t>
             </a:r>
             <a:endParaRPr b="0" lang="en-US" sz="2800" spc="-1" strike="noStrike">
               <a:latin typeface="Arial"/>
             </a:endParaRPr>
           </a:p>
           <a:p>
-            <a:pPr marL="228600" indent="-227880">
+            <a:pPr marL="228600" indent="-227520">
               <a:lnSpc>
                 <a:spcPct val="90000"/>
               </a:lnSpc>
@@ -5416,15 +5657,483 @@
                   <a:srgbClr val="000000"/>
                 </a:solidFill>
                 <a:latin typeface="Calibri"/>
+                <a:ea typeface="DejaVu Sans"/>
               </a:rPr>
-              <a:t>Module GSM</a:t>
+              <a:t>Sonde NPK</a:t>
             </a:r>
             <a:endParaRPr b="0" lang="en-US" sz="2800" spc="-1" strike="noStrike">
               <a:latin typeface="Arial"/>
             </a:endParaRPr>
           </a:p>
           <a:p>
-            <a:pPr marL="228600" indent="-227880">
+            <a:pPr lvl="1" marL="432000" indent="-216000">
+              <a:lnSpc>
+                <a:spcPct val="90000"/>
+              </a:lnSpc>
+              <a:spcBef>
+                <a:spcPts val="1001"/>
+              </a:spcBef>
+              <a:buClr>
+                <a:srgbClr val="000000"/>
+              </a:buClr>
+              <a:buSzPct val="45000"/>
+              <a:buFont typeface="Wingdings" charset="2"/>
+              <a:buChar char=""/>
+            </a:pPr>
+            <a:r>
+              <a:rPr b="0" lang="fr-FR" sz="2800" spc="-1" strike="noStrike">
+                <a:solidFill>
+                  <a:srgbClr val="000000"/>
+                </a:solidFill>
+                <a:latin typeface="Calibri"/>
+                <a:ea typeface="DejaVu Sans"/>
+              </a:rPr>
+              <a:t>Capteur d’azote</a:t>
+            </a:r>
+            <a:endParaRPr b="0" lang="en-US" sz="2800" spc="-1" strike="noStrike">
+              <a:latin typeface="Arial"/>
+            </a:endParaRPr>
+          </a:p>
+          <a:p>
+            <a:pPr lvl="1" marL="432000" indent="-216000">
+              <a:lnSpc>
+                <a:spcPct val="90000"/>
+              </a:lnSpc>
+              <a:spcBef>
+                <a:spcPts val="1001"/>
+              </a:spcBef>
+              <a:buClr>
+                <a:srgbClr val="000000"/>
+              </a:buClr>
+              <a:buSzPct val="45000"/>
+              <a:buFont typeface="Wingdings" charset="2"/>
+              <a:buChar char=""/>
+            </a:pPr>
+            <a:r>
+              <a:rPr b="0" lang="fr-FR" sz="2800" spc="-1" strike="noStrike">
+                <a:solidFill>
+                  <a:srgbClr val="000000"/>
+                </a:solidFill>
+                <a:latin typeface="Calibri"/>
+                <a:ea typeface="DejaVu Sans"/>
+              </a:rPr>
+              <a:t>Capteur de nitrate</a:t>
+            </a:r>
+            <a:endParaRPr b="0" lang="en-US" sz="2800" spc="-1" strike="noStrike">
+              <a:latin typeface="Arial"/>
+            </a:endParaRPr>
+          </a:p>
+          <a:p>
+            <a:pPr lvl="1" marL="432000" indent="-216000">
+              <a:lnSpc>
+                <a:spcPct val="90000"/>
+              </a:lnSpc>
+              <a:spcBef>
+                <a:spcPts val="1001"/>
+              </a:spcBef>
+              <a:buClr>
+                <a:srgbClr val="000000"/>
+              </a:buClr>
+              <a:buSzPct val="45000"/>
+              <a:buFont typeface="Wingdings" charset="2"/>
+              <a:buChar char=""/>
+            </a:pPr>
+            <a:r>
+              <a:rPr b="0" lang="fr-FR" sz="2800" spc="-1" strike="noStrike">
+                <a:solidFill>
+                  <a:srgbClr val="000000"/>
+                </a:solidFill>
+                <a:latin typeface="Calibri"/>
+                <a:ea typeface="DejaVu Sans"/>
+              </a:rPr>
+              <a:t>Capteur de potasse</a:t>
+            </a:r>
+            <a:endParaRPr b="0" lang="en-US" sz="2800" spc="-1" strike="noStrike">
+              <a:latin typeface="Arial"/>
+            </a:endParaRPr>
+          </a:p>
+        </p:txBody>
+      </p:sp>
+    </p:spTree>
+  </p:cSld>
+  <mc:AlternateContent>
+    <mc:Choice Requires="p14">
+      <p:transition spd="slow" p14:dur="2000"/>
+    </mc:Choice>
+    <mc:Fallback>
+      <p:transition spd="slow"/>
+    </mc:Fallback>
+  </mc:AlternateContent>
+</p:sld>
+</file>
+
+<file path=ppt/slides/slide7.xml><?xml version="1.0" encoding="utf-8"?>
+<p:sld xmlns:a="http://schemas.openxmlformats.org/drawingml/2006/main" xmlns:p="http://schemas.openxmlformats.org/presentationml/2006/main" xmlns:r="http://schemas.openxmlformats.org/officeDocument/2006/relationships" xmlns:p14="http://schemas.microsoft.com/office/powerpoint/2010/main" xmlns:p15="http://schemas.microsoft.com/office/powerpoint/2012/main" xmlns:mc="http://schemas.openxmlformats.org/markup-compatibility/2006">
+  <p:cSld>
+    <p:spTree>
+      <p:nvGrpSpPr>
+        <p:cNvPr id="1" name=""/>
+        <p:cNvGrpSpPr/>
+        <p:nvPr/>
+      </p:nvGrpSpPr>
+      <p:grpSpPr>
+        <a:xfrm>
+          <a:off x="0" y="0"/>
+          <a:ext cx="0" cy="0"/>
+          <a:chOff x="0" y="0"/>
+          <a:chExt cx="0" cy="0"/>
+        </a:xfrm>
+      </p:grpSpPr>
+      <p:sp>
+        <p:nvSpPr>
+          <p:cNvPr id="112" name="CustomShape 1"/>
+          <p:cNvSpPr/>
+          <p:nvPr/>
+        </p:nvSpPr>
+        <p:spPr>
+          <a:xfrm>
+            <a:off x="0" y="0"/>
+            <a:ext cx="12191040" cy="894600"/>
+          </a:xfrm>
+          <a:prstGeom prst="rect">
+            <a:avLst/>
+          </a:prstGeom>
+          <a:solidFill>
+            <a:srgbClr val="009fd8"/>
+          </a:solidFill>
+          <a:ln>
+            <a:noFill/>
+          </a:ln>
+        </p:spPr>
+        <p:style>
+          <a:lnRef idx="2">
+            <a:schemeClr val="accent1">
+              <a:shade val="50000"/>
+            </a:schemeClr>
+          </a:lnRef>
+          <a:fillRef idx="1">
+            <a:schemeClr val="accent1"/>
+          </a:fillRef>
+          <a:effectRef idx="0">
+            <a:schemeClr val="accent1"/>
+          </a:effectRef>
+          <a:fontRef idx="minor"/>
+        </p:style>
+      </p:sp>
+      <p:sp>
+        <p:nvSpPr>
+          <p:cNvPr id="113" name="Line 2"/>
+          <p:cNvSpPr/>
+          <p:nvPr/>
+        </p:nvSpPr>
+        <p:spPr>
+          <a:xfrm>
+            <a:off x="335880" y="6315840"/>
+            <a:ext cx="11520000" cy="0"/>
+          </a:xfrm>
+          <a:prstGeom prst="line">
+            <a:avLst/>
+          </a:prstGeom>
+          <a:ln w="28575">
+            <a:solidFill>
+              <a:srgbClr val="0097ce"/>
+            </a:solidFill>
+          </a:ln>
+        </p:spPr>
+        <p:style>
+          <a:lnRef idx="1">
+            <a:schemeClr val="accent1"/>
+          </a:lnRef>
+          <a:fillRef idx="0">
+            <a:schemeClr val="accent1"/>
+          </a:fillRef>
+          <a:effectRef idx="0">
+            <a:schemeClr val="accent1"/>
+          </a:effectRef>
+          <a:fontRef idx="minor"/>
+        </p:style>
+      </p:sp>
+      <p:sp>
+        <p:nvSpPr>
+          <p:cNvPr id="114" name="CustomShape 3"/>
+          <p:cNvSpPr/>
+          <p:nvPr/>
+        </p:nvSpPr>
+        <p:spPr>
+          <a:xfrm>
+            <a:off x="317520" y="93960"/>
+            <a:ext cx="11537280" cy="699120"/>
+          </a:xfrm>
+          <a:prstGeom prst="rect">
+            <a:avLst/>
+          </a:prstGeom>
+          <a:noFill/>
+          <a:ln w="0">
+            <a:noFill/>
+          </a:ln>
+        </p:spPr>
+        <p:style>
+          <a:lnRef idx="0"/>
+          <a:fillRef idx="0"/>
+          <a:effectRef idx="0"/>
+          <a:fontRef idx="minor"/>
+        </p:style>
+        <p:txBody>
+          <a:bodyPr lIns="90000" rIns="90000" tIns="45000" bIns="45000">
+            <a:spAutoFit/>
+          </a:bodyPr>
+          <a:p>
+            <a:pPr>
+              <a:lnSpc>
+                <a:spcPct val="100000"/>
+              </a:lnSpc>
+            </a:pPr>
+            <a:r>
+              <a:rPr b="0" lang="en-GB" sz="4000" spc="194" strike="noStrike">
+                <a:solidFill>
+                  <a:srgbClr val="ffffff"/>
+                </a:solidFill>
+                <a:latin typeface="Arial"/>
+                <a:ea typeface="DejaVu Sans"/>
+              </a:rPr>
+              <a:t>Prototype</a:t>
+            </a:r>
+            <a:endParaRPr b="0" lang="en-US" sz="4000" spc="-1" strike="noStrike">
+              <a:latin typeface="Arial"/>
+            </a:endParaRPr>
+          </a:p>
+        </p:txBody>
+      </p:sp>
+      <p:sp>
+        <p:nvSpPr>
+          <p:cNvPr id="115" name="CustomShape 4"/>
+          <p:cNvSpPr/>
+          <p:nvPr/>
+        </p:nvSpPr>
+        <p:spPr>
+          <a:xfrm>
+            <a:off x="3145320" y="6400800"/>
+            <a:ext cx="5900040" cy="318960"/>
+          </a:xfrm>
+          <a:prstGeom prst="rect">
+            <a:avLst/>
+          </a:prstGeom>
+          <a:noFill/>
+          <a:ln w="0">
+            <a:noFill/>
+          </a:ln>
+        </p:spPr>
+        <p:style>
+          <a:lnRef idx="0"/>
+          <a:fillRef idx="0"/>
+          <a:effectRef idx="0"/>
+          <a:fontRef idx="minor"/>
+        </p:style>
+        <p:txBody>
+          <a:bodyPr lIns="90000" rIns="90000" tIns="45000" bIns="45000" anchor="ctr">
+            <a:noAutofit/>
+          </a:bodyPr>
+          <a:p>
+            <a:pPr algn="ctr">
+              <a:lnSpc>
+                <a:spcPct val="100000"/>
+              </a:lnSpc>
+            </a:pPr>
+            <a:r>
+              <a:rPr b="0" lang="fr-CH" sz="1400" spc="-1" strike="noStrike">
+                <a:solidFill>
+                  <a:srgbClr val="8b8b8b"/>
+                </a:solidFill>
+                <a:latin typeface="Arial"/>
+                <a:ea typeface="DejaVu Sans"/>
+              </a:rPr>
+              <a:t>Présentation du projet IoT, HEIG-VD</a:t>
+            </a:r>
+            <a:endParaRPr b="0" lang="en-US" sz="1400" spc="-1" strike="noStrike">
+              <a:latin typeface="Arial"/>
+            </a:endParaRPr>
+          </a:p>
+        </p:txBody>
+      </p:sp>
+      <p:sp>
+        <p:nvSpPr>
+          <p:cNvPr id="116" name="CustomShape 5"/>
+          <p:cNvSpPr/>
+          <p:nvPr/>
+        </p:nvSpPr>
+        <p:spPr>
+          <a:xfrm>
+            <a:off x="11425680" y="6400800"/>
+            <a:ext cx="429120" cy="359640"/>
+          </a:xfrm>
+          <a:prstGeom prst="rect">
+            <a:avLst/>
+          </a:prstGeom>
+          <a:solidFill>
+            <a:srgbClr val="229fd8"/>
+          </a:solidFill>
+          <a:ln w="0">
+            <a:noFill/>
+          </a:ln>
+        </p:spPr>
+        <p:style>
+          <a:lnRef idx="0"/>
+          <a:fillRef idx="0"/>
+          <a:effectRef idx="0"/>
+          <a:fontRef idx="minor"/>
+        </p:style>
+        <p:txBody>
+          <a:bodyPr lIns="90000" rIns="90000" tIns="45000" bIns="45000" anchor="ctr">
+            <a:noAutofit/>
+          </a:bodyPr>
+          <a:p>
+            <a:pPr algn="ctr">
+              <a:lnSpc>
+                <a:spcPct val="100000"/>
+              </a:lnSpc>
+            </a:pPr>
+            <a:fld id="{74D84151-D049-48E7-A8F7-8E6643EB1052}" type="slidenum">
+              <a:rPr b="0" lang="en-GB" sz="1400" spc="-1" strike="noStrike">
+                <a:solidFill>
+                  <a:srgbClr val="ffffff"/>
+                </a:solidFill>
+                <a:latin typeface="Arial"/>
+                <a:ea typeface="DejaVu Sans"/>
+              </a:rPr>
+              <a:t>6</a:t>
+            </a:fld>
+            <a:endParaRPr b="0" lang="en-US" sz="1400" spc="-1" strike="noStrike">
+              <a:latin typeface="Arial"/>
+            </a:endParaRPr>
+          </a:p>
+        </p:txBody>
+      </p:sp>
+      <p:pic>
+        <p:nvPicPr>
+          <p:cNvPr id="117" name="" descr=""/>
+          <p:cNvPicPr/>
+          <p:nvPr/>
+        </p:nvPicPr>
+        <p:blipFill>
+          <a:blip r:embed="rId1"/>
+          <a:stretch/>
+        </p:blipFill>
+        <p:spPr>
+          <a:xfrm>
+            <a:off x="9829800" y="1371600"/>
+            <a:ext cx="1699200" cy="1600200"/>
+          </a:xfrm>
+          <a:prstGeom prst="rect">
+            <a:avLst/>
+          </a:prstGeom>
+          <a:ln w="0">
+            <a:noFill/>
+          </a:ln>
+        </p:spPr>
+      </p:pic>
+      <p:pic>
+        <p:nvPicPr>
+          <p:cNvPr id="118" name="" descr=""/>
+          <p:cNvPicPr/>
+          <p:nvPr/>
+        </p:nvPicPr>
+        <p:blipFill>
+          <a:blip r:embed="rId2"/>
+          <a:stretch/>
+        </p:blipFill>
+        <p:spPr>
+          <a:xfrm>
+            <a:off x="7086600" y="2081880"/>
+            <a:ext cx="1965240" cy="1575720"/>
+          </a:xfrm>
+          <a:prstGeom prst="rect">
+            <a:avLst/>
+          </a:prstGeom>
+          <a:ln w="0">
+            <a:noFill/>
+          </a:ln>
+        </p:spPr>
+      </p:pic>
+      <p:pic>
+        <p:nvPicPr>
+          <p:cNvPr id="119" name="" descr=""/>
+          <p:cNvPicPr/>
+          <p:nvPr/>
+        </p:nvPicPr>
+        <p:blipFill>
+          <a:blip r:embed="rId3"/>
+          <a:stretch/>
+        </p:blipFill>
+        <p:spPr>
+          <a:xfrm>
+            <a:off x="9388800" y="3200400"/>
+            <a:ext cx="2041200" cy="2057400"/>
+          </a:xfrm>
+          <a:prstGeom prst="rect">
+            <a:avLst/>
+          </a:prstGeom>
+          <a:ln w="0">
+            <a:noFill/>
+          </a:ln>
+        </p:spPr>
+      </p:pic>
+      <p:sp>
+        <p:nvSpPr>
+          <p:cNvPr id="120" name="CustomShape 6"/>
+          <p:cNvSpPr/>
+          <p:nvPr/>
+        </p:nvSpPr>
+        <p:spPr>
+          <a:xfrm>
+            <a:off x="317520" y="1123920"/>
+            <a:ext cx="11518920" cy="5106240"/>
+          </a:xfrm>
+          <a:prstGeom prst="rect">
+            <a:avLst/>
+          </a:prstGeom>
+          <a:noFill/>
+          <a:ln w="0">
+            <a:noFill/>
+          </a:ln>
+        </p:spPr>
+        <p:style>
+          <a:lnRef idx="0"/>
+          <a:fillRef idx="0"/>
+          <a:effectRef idx="0"/>
+          <a:fontRef idx="minor"/>
+        </p:style>
+        <p:txBody>
+          <a:bodyPr lIns="90000" rIns="90000" tIns="45000" bIns="45000">
+            <a:normAutofit/>
+          </a:bodyPr>
+          <a:p>
+            <a:pPr>
+              <a:lnSpc>
+                <a:spcPct val="90000"/>
+              </a:lnSpc>
+              <a:spcBef>
+                <a:spcPts val="1001"/>
+              </a:spcBef>
+            </a:pPr>
+            <a:endParaRPr b="0" lang="en-US" sz="1800" spc="-1" strike="noStrike">
+              <a:latin typeface="Arial"/>
+            </a:endParaRPr>
+          </a:p>
+          <a:p>
+            <a:pPr>
+              <a:lnSpc>
+                <a:spcPct val="90000"/>
+              </a:lnSpc>
+              <a:spcBef>
+                <a:spcPts val="1001"/>
+              </a:spcBef>
+            </a:pPr>
+            <a:endParaRPr b="0" lang="en-US" sz="1800" spc="-1" strike="noStrike">
+              <a:latin typeface="Arial"/>
+            </a:endParaRPr>
+          </a:p>
+          <a:p>
+            <a:pPr marL="228600" indent="-227520">
               <a:lnSpc>
                 <a:spcPct val="90000"/>
               </a:lnSpc>
@@ -5443,15 +6152,16 @@
                   <a:srgbClr val="000000"/>
                 </a:solidFill>
                 <a:latin typeface="Calibri"/>
+                <a:ea typeface="DejaVu Sans"/>
               </a:rPr>
-              <a:t>Détecteur de mouvement (infrarouge)</a:t>
+              <a:t>Mini serre (bois, plexi, cellophane...)</a:t>
             </a:r>
             <a:endParaRPr b="0" lang="en-US" sz="2800" spc="-1" strike="noStrike">
               <a:latin typeface="Arial"/>
             </a:endParaRPr>
           </a:p>
           <a:p>
-            <a:pPr marL="228600" indent="-227880">
+            <a:pPr marL="228600" indent="-227520">
               <a:lnSpc>
                 <a:spcPct val="90000"/>
               </a:lnSpc>
@@ -5470,15 +6180,327 @@
                   <a:srgbClr val="000000"/>
                 </a:solidFill>
                 <a:latin typeface="Calibri"/>
+                <a:ea typeface="DejaVu Sans"/>
               </a:rPr>
-              <a:t>Détecteur bris de glaces</a:t>
+              <a:t>Fablab</a:t>
             </a:r>
             <a:endParaRPr b="0" lang="en-US" sz="2800" spc="-1" strike="noStrike">
               <a:latin typeface="Arial"/>
             </a:endParaRPr>
           </a:p>
-          <a:p>
-            <a:pPr marL="228600" indent="-227880">
+        </p:txBody>
+      </p:sp>
+    </p:spTree>
+  </p:cSld>
+  <mc:AlternateContent>
+    <mc:Choice Requires="p14">
+      <p:transition spd="slow" p14:dur="2000"/>
+    </mc:Choice>
+    <mc:Fallback>
+      <p:transition spd="slow"/>
+    </mc:Fallback>
+  </mc:AlternateContent>
+</p:sld>
+</file>
+
+<file path=ppt/slides/slide8.xml><?xml version="1.0" encoding="utf-8"?>
+<p:sld xmlns:a="http://schemas.openxmlformats.org/drawingml/2006/main" xmlns:p="http://schemas.openxmlformats.org/presentationml/2006/main" xmlns:r="http://schemas.openxmlformats.org/officeDocument/2006/relationships" xmlns:p14="http://schemas.microsoft.com/office/powerpoint/2010/main" xmlns:p15="http://schemas.microsoft.com/office/powerpoint/2012/main" xmlns:mc="http://schemas.openxmlformats.org/markup-compatibility/2006">
+  <p:cSld>
+    <p:spTree>
+      <p:nvGrpSpPr>
+        <p:cNvPr id="1" name=""/>
+        <p:cNvGrpSpPr/>
+        <p:nvPr/>
+      </p:nvGrpSpPr>
+      <p:grpSpPr>
+        <a:xfrm>
+          <a:off x="0" y="0"/>
+          <a:ext cx="0" cy="0"/>
+          <a:chOff x="0" y="0"/>
+          <a:chExt cx="0" cy="0"/>
+        </a:xfrm>
+      </p:grpSpPr>
+      <p:sp>
+        <p:nvSpPr>
+          <p:cNvPr id="121" name="CustomShape 1"/>
+          <p:cNvSpPr/>
+          <p:nvPr/>
+        </p:nvSpPr>
+        <p:spPr>
+          <a:xfrm>
+            <a:off x="0" y="0"/>
+            <a:ext cx="12191040" cy="894600"/>
+          </a:xfrm>
+          <a:prstGeom prst="rect">
+            <a:avLst/>
+          </a:prstGeom>
+          <a:solidFill>
+            <a:srgbClr val="009fd8"/>
+          </a:solidFill>
+          <a:ln>
+            <a:noFill/>
+          </a:ln>
+        </p:spPr>
+        <p:style>
+          <a:lnRef idx="2">
+            <a:schemeClr val="accent1">
+              <a:shade val="50000"/>
+            </a:schemeClr>
+          </a:lnRef>
+          <a:fillRef idx="1">
+            <a:schemeClr val="accent1"/>
+          </a:fillRef>
+          <a:effectRef idx="0">
+            <a:schemeClr val="accent1"/>
+          </a:effectRef>
+          <a:fontRef idx="minor"/>
+        </p:style>
+      </p:sp>
+      <p:sp>
+        <p:nvSpPr>
+          <p:cNvPr id="122" name="Line 2"/>
+          <p:cNvSpPr/>
+          <p:nvPr/>
+        </p:nvSpPr>
+        <p:spPr>
+          <a:xfrm>
+            <a:off x="335880" y="6315840"/>
+            <a:ext cx="11520000" cy="0"/>
+          </a:xfrm>
+          <a:prstGeom prst="line">
+            <a:avLst/>
+          </a:prstGeom>
+          <a:ln w="28575">
+            <a:solidFill>
+              <a:srgbClr val="0097ce"/>
+            </a:solidFill>
+          </a:ln>
+        </p:spPr>
+        <p:style>
+          <a:lnRef idx="1">
+            <a:schemeClr val="accent1"/>
+          </a:lnRef>
+          <a:fillRef idx="0">
+            <a:schemeClr val="accent1"/>
+          </a:fillRef>
+          <a:effectRef idx="0">
+            <a:schemeClr val="accent1"/>
+          </a:effectRef>
+          <a:fontRef idx="minor"/>
+        </p:style>
+      </p:sp>
+      <p:sp>
+        <p:nvSpPr>
+          <p:cNvPr id="123" name="CustomShape 3"/>
+          <p:cNvSpPr/>
+          <p:nvPr/>
+        </p:nvSpPr>
+        <p:spPr>
+          <a:xfrm>
+            <a:off x="317520" y="93960"/>
+            <a:ext cx="11537280" cy="699120"/>
+          </a:xfrm>
+          <a:prstGeom prst="rect">
+            <a:avLst/>
+          </a:prstGeom>
+          <a:noFill/>
+          <a:ln w="0">
+            <a:noFill/>
+          </a:ln>
+        </p:spPr>
+        <p:style>
+          <a:lnRef idx="0"/>
+          <a:fillRef idx="0"/>
+          <a:effectRef idx="0"/>
+          <a:fontRef idx="minor"/>
+        </p:style>
+        <p:txBody>
+          <a:bodyPr lIns="90000" rIns="90000" tIns="45000" bIns="45000">
+            <a:spAutoFit/>
+          </a:bodyPr>
+          <a:p>
+            <a:pPr>
+              <a:lnSpc>
+                <a:spcPct val="100000"/>
+              </a:lnSpc>
+            </a:pPr>
+            <a:r>
+              <a:rPr b="0" lang="en-GB" sz="4000" spc="194" strike="noStrike">
+                <a:solidFill>
+                  <a:srgbClr val="ffffff"/>
+                </a:solidFill>
+                <a:latin typeface="Arial"/>
+                <a:ea typeface="DejaVu Sans"/>
+              </a:rPr>
+              <a:t>Si le temps le permet</a:t>
+            </a:r>
+            <a:endParaRPr b="0" lang="en-US" sz="4000" spc="-1" strike="noStrike">
+              <a:latin typeface="Arial"/>
+            </a:endParaRPr>
+          </a:p>
+        </p:txBody>
+      </p:sp>
+      <p:sp>
+        <p:nvSpPr>
+          <p:cNvPr id="124" name="CustomShape 4"/>
+          <p:cNvSpPr/>
+          <p:nvPr/>
+        </p:nvSpPr>
+        <p:spPr>
+          <a:xfrm>
+            <a:off x="3145320" y="6400800"/>
+            <a:ext cx="5900040" cy="318960"/>
+          </a:xfrm>
+          <a:prstGeom prst="rect">
+            <a:avLst/>
+          </a:prstGeom>
+          <a:noFill/>
+          <a:ln w="0">
+            <a:noFill/>
+          </a:ln>
+        </p:spPr>
+        <p:style>
+          <a:lnRef idx="0"/>
+          <a:fillRef idx="0"/>
+          <a:effectRef idx="0"/>
+          <a:fontRef idx="minor"/>
+        </p:style>
+        <p:txBody>
+          <a:bodyPr lIns="90000" rIns="90000" tIns="45000" bIns="45000" anchor="ctr">
+            <a:noAutofit/>
+          </a:bodyPr>
+          <a:p>
+            <a:pPr algn="ctr">
+              <a:lnSpc>
+                <a:spcPct val="100000"/>
+              </a:lnSpc>
+            </a:pPr>
+            <a:r>
+              <a:rPr b="0" lang="fr-CH" sz="1400" spc="-1" strike="noStrike">
+                <a:solidFill>
+                  <a:srgbClr val="8b8b8b"/>
+                </a:solidFill>
+                <a:latin typeface="Arial"/>
+                <a:ea typeface="DejaVu Sans"/>
+              </a:rPr>
+              <a:t>Présentation du projet IoT, HEIG-VD</a:t>
+            </a:r>
+            <a:endParaRPr b="0" lang="en-US" sz="1400" spc="-1" strike="noStrike">
+              <a:latin typeface="Arial"/>
+            </a:endParaRPr>
+          </a:p>
+        </p:txBody>
+      </p:sp>
+      <p:sp>
+        <p:nvSpPr>
+          <p:cNvPr id="125" name="CustomShape 5"/>
+          <p:cNvSpPr/>
+          <p:nvPr/>
+        </p:nvSpPr>
+        <p:spPr>
+          <a:xfrm>
+            <a:off x="11425680" y="6400800"/>
+            <a:ext cx="429120" cy="359640"/>
+          </a:xfrm>
+          <a:prstGeom prst="rect">
+            <a:avLst/>
+          </a:prstGeom>
+          <a:solidFill>
+            <a:srgbClr val="229fd8"/>
+          </a:solidFill>
+          <a:ln w="0">
+            <a:noFill/>
+          </a:ln>
+        </p:spPr>
+        <p:style>
+          <a:lnRef idx="0"/>
+          <a:fillRef idx="0"/>
+          <a:effectRef idx="0"/>
+          <a:fontRef idx="minor"/>
+        </p:style>
+        <p:txBody>
+          <a:bodyPr lIns="90000" rIns="90000" tIns="45000" bIns="45000" anchor="ctr">
+            <a:noAutofit/>
+          </a:bodyPr>
+          <a:p>
+            <a:pPr algn="ctr">
+              <a:lnSpc>
+                <a:spcPct val="100000"/>
+              </a:lnSpc>
+            </a:pPr>
+            <a:fld id="{0E28C068-24CD-4BEE-87D7-BE9BC5507D42}" type="slidenum">
+              <a:rPr b="0" lang="en-GB" sz="1400" spc="-1" strike="noStrike">
+                <a:solidFill>
+                  <a:srgbClr val="ffffff"/>
+                </a:solidFill>
+                <a:latin typeface="Arial"/>
+                <a:ea typeface="DejaVu Sans"/>
+              </a:rPr>
+              <a:t>&lt;number&gt;</a:t>
+            </a:fld>
+            <a:endParaRPr b="0" lang="en-US" sz="1400" spc="-1" strike="noStrike">
+              <a:latin typeface="Arial"/>
+            </a:endParaRPr>
+          </a:p>
+        </p:txBody>
+      </p:sp>
+      <p:sp>
+        <p:nvSpPr>
+          <p:cNvPr id="126" name="CustomShape 6"/>
+          <p:cNvSpPr/>
+          <p:nvPr/>
+        </p:nvSpPr>
+        <p:spPr>
+          <a:xfrm>
+            <a:off x="317520" y="1123920"/>
+            <a:ext cx="11518920" cy="5106240"/>
+          </a:xfrm>
+          <a:prstGeom prst="rect">
+            <a:avLst/>
+          </a:prstGeom>
+          <a:noFill/>
+          <a:ln w="0">
+            <a:noFill/>
+          </a:ln>
+        </p:spPr>
+        <p:style>
+          <a:lnRef idx="0"/>
+          <a:fillRef idx="0"/>
+          <a:effectRef idx="0"/>
+          <a:fontRef idx="minor"/>
+        </p:style>
+        <p:txBody>
+          <a:bodyPr lIns="90000" rIns="90000" tIns="45000" bIns="45000">
+            <a:normAutofit/>
+          </a:bodyPr>
+          <a:p>
+            <a:pPr>
+              <a:lnSpc>
+                <a:spcPct val="90000"/>
+              </a:lnSpc>
+              <a:spcBef>
+                <a:spcPts val="1001"/>
+              </a:spcBef>
+            </a:pPr>
+            <a:endParaRPr b="0" lang="en-US" sz="1800" spc="-1" strike="noStrike">
+              <a:latin typeface="Arial"/>
+            </a:endParaRPr>
+          </a:p>
+          <a:p>
+            <a:pPr>
+              <a:lnSpc>
+                <a:spcPct val="90000"/>
+              </a:lnSpc>
+              <a:spcBef>
+                <a:spcPts val="1001"/>
+              </a:spcBef>
+            </a:pPr>
+            <a:endParaRPr b="0" lang="en-US" sz="1800" spc="-1" strike="noStrike">
+              <a:latin typeface="Arial"/>
+            </a:endParaRPr>
+          </a:p>
+          <a:p>
+            <a:pPr marL="228600" indent="-227520">
               <a:lnSpc>
                 <a:spcPct val="90000"/>
               </a:lnSpc>
@@ -5497,15 +6519,16 @@
                   <a:srgbClr val="000000"/>
                 </a:solidFill>
                 <a:latin typeface="Calibri"/>
+                <a:ea typeface="DejaVu Sans"/>
               </a:rPr>
-              <a:t>Capteur d’humidité des sols </a:t>
+              <a:t>Irrigation</a:t>
             </a:r>
             <a:endParaRPr b="0" lang="en-US" sz="2800" spc="-1" strike="noStrike">
               <a:latin typeface="Arial"/>
             </a:endParaRPr>
           </a:p>
           <a:p>
-            <a:pPr marL="228600" indent="-227880">
+            <a:pPr marL="228600" indent="-227520">
               <a:lnSpc>
                 <a:spcPct val="90000"/>
               </a:lnSpc>
@@ -5524,15 +6547,16 @@
                   <a:srgbClr val="000000"/>
                 </a:solidFill>
                 <a:latin typeface="Calibri"/>
+                <a:ea typeface="DejaVu Sans"/>
               </a:rPr>
-              <a:t>Capteur de luminosité</a:t>
+              <a:t>Ventilation</a:t>
             </a:r>
             <a:endParaRPr b="0" lang="en-US" sz="2800" spc="-1" strike="noStrike">
               <a:latin typeface="Arial"/>
             </a:endParaRPr>
           </a:p>
           <a:p>
-            <a:pPr marL="228600" indent="-227880">
+            <a:pPr marL="228600" indent="-227520">
               <a:lnSpc>
                 <a:spcPct val="90000"/>
               </a:lnSpc>
@@ -5551,15 +6575,16 @@
                   <a:srgbClr val="000000"/>
                 </a:solidFill>
                 <a:latin typeface="Calibri"/>
+                <a:ea typeface="DejaVu Sans"/>
               </a:rPr>
-              <a:t>Capteur d’azote</a:t>
+              <a:t>Désactivation</a:t>
             </a:r>
             <a:endParaRPr b="0" lang="en-US" sz="2800" spc="-1" strike="noStrike">
               <a:latin typeface="Arial"/>
             </a:endParaRPr>
           </a:p>
           <a:p>
-            <a:pPr marL="228600" indent="-227880">
+            <a:pPr marL="228600" indent="-227520">
               <a:lnSpc>
                 <a:spcPct val="90000"/>
               </a:lnSpc>
@@ -5578,15 +6603,16 @@
                   <a:srgbClr val="000000"/>
                 </a:solidFill>
                 <a:latin typeface="Calibri"/>
+                <a:ea typeface="DejaVu Sans"/>
               </a:rPr>
-              <a:t>Capteur de nitrate</a:t>
+              <a:t>Anti-intrusion</a:t>
             </a:r>
             <a:endParaRPr b="0" lang="en-US" sz="2800" spc="-1" strike="noStrike">
               <a:latin typeface="Arial"/>
             </a:endParaRPr>
           </a:p>
           <a:p>
-            <a:pPr marL="228600" indent="-227880">
+            <a:pPr marL="228600" indent="-227520">
               <a:lnSpc>
                 <a:spcPct val="90000"/>
               </a:lnSpc>
@@ -5605,8 +6631,9 @@
                   <a:srgbClr val="000000"/>
                 </a:solidFill>
                 <a:latin typeface="Calibri"/>
+                <a:ea typeface="DejaVu Sans"/>
               </a:rPr>
-              <a:t>Capteur de potasse</a:t>
+              <a:t>UV</a:t>
             </a:r>
             <a:endParaRPr b="0" lang="en-US" sz="2800" spc="-1" strike="noStrike">
               <a:latin typeface="Arial"/>
